--- a/Redovisning/Mikroprocessor.pptx
+++ b/Redovisning/Mikroprocessor.pptx
@@ -6,9 +6,9 @@
   </p:sldMasterIdLst>
   <p:sldIdLst>
     <p:sldId id="256" r:id="rId2"/>
-    <p:sldId id="257" r:id="rId3"/>
-    <p:sldId id="258" r:id="rId4"/>
-    <p:sldId id="260" r:id="rId5"/>
+    <p:sldId id="258" r:id="rId3"/>
+    <p:sldId id="260" r:id="rId4"/>
+    <p:sldId id="257" r:id="rId5"/>
     <p:sldId id="261" r:id="rId6"/>
     <p:sldId id="259" r:id="rId7"/>
   </p:sldIdLst>
@@ -109,6 +109,11 @@
       </a:defRPr>
     </a:lvl9pPr>
   </p:defaultTextStyle>
+  <p:extLst>
+    <p:ext uri="{EFAFB233-063F-42B5-8137-9DF3F51BA10A}">
+      <p15:sldGuideLst xmlns:p15="http://schemas.microsoft.com/office/powerpoint/2012/main"/>
+    </p:ext>
+  </p:extLst>
 </p:presentation>
 </file>
 
@@ -614,7 +619,7 @@
           <a:p>
             <a:fld id="{F096961E-3012-4105-A7C5-2F48AF367C49}" type="datetimeFigureOut">
               <a:rPr lang="sv-SE" smtClean="0"/>
-              <a:t>2014-12-11</a:t>
+              <a:t>2014-12-15</a:t>
             </a:fld>
             <a:endParaRPr lang="sv-SE"/>
           </a:p>
@@ -910,7 +915,7 @@
           <a:p>
             <a:fld id="{F096961E-3012-4105-A7C5-2F48AF367C49}" type="datetimeFigureOut">
               <a:rPr lang="sv-SE" smtClean="0"/>
-              <a:t>2014-12-11</a:t>
+              <a:t>2014-12-15</a:t>
             </a:fld>
             <a:endParaRPr lang="sv-SE"/>
           </a:p>
@@ -1158,7 +1163,7 @@
           <a:p>
             <a:fld id="{F096961E-3012-4105-A7C5-2F48AF367C49}" type="datetimeFigureOut">
               <a:rPr lang="sv-SE" smtClean="0"/>
-              <a:t>2014-12-11</a:t>
+              <a:t>2014-12-15</a:t>
             </a:fld>
             <a:endParaRPr lang="sv-SE"/>
           </a:p>
@@ -1698,7 +1703,7 @@
           <a:p>
             <a:fld id="{F096961E-3012-4105-A7C5-2F48AF367C49}" type="datetimeFigureOut">
               <a:rPr lang="sv-SE" smtClean="0"/>
-              <a:t>2014-12-11</a:t>
+              <a:t>2014-12-15</a:t>
             </a:fld>
             <a:endParaRPr lang="sv-SE"/>
           </a:p>
@@ -1946,7 +1951,7 @@
           <a:p>
             <a:fld id="{F096961E-3012-4105-A7C5-2F48AF367C49}" type="datetimeFigureOut">
               <a:rPr lang="sv-SE" smtClean="0"/>
-              <a:t>2014-12-11</a:t>
+              <a:t>2014-12-15</a:t>
             </a:fld>
             <a:endParaRPr lang="sv-SE"/>
           </a:p>
@@ -2478,7 +2483,7 @@
           <a:p>
             <a:fld id="{F096961E-3012-4105-A7C5-2F48AF367C49}" type="datetimeFigureOut">
               <a:rPr lang="sv-SE" smtClean="0"/>
-              <a:t>2014-12-11</a:t>
+              <a:t>2014-12-15</a:t>
             </a:fld>
             <a:endParaRPr lang="sv-SE"/>
           </a:p>
@@ -2775,7 +2780,7 @@
           <a:p>
             <a:fld id="{F096961E-3012-4105-A7C5-2F48AF367C49}" type="datetimeFigureOut">
               <a:rPr lang="sv-SE" smtClean="0"/>
-              <a:t>2014-12-11</a:t>
+              <a:t>2014-12-15</a:t>
             </a:fld>
             <a:endParaRPr lang="sv-SE"/>
           </a:p>
@@ -2949,7 +2954,7 @@
           <a:p>
             <a:fld id="{F096961E-3012-4105-A7C5-2F48AF367C49}" type="datetimeFigureOut">
               <a:rPr lang="sv-SE" smtClean="0"/>
-              <a:t>2014-12-11</a:t>
+              <a:t>2014-12-15</a:t>
             </a:fld>
             <a:endParaRPr lang="sv-SE"/>
           </a:p>
@@ -3129,7 +3134,7 @@
           <a:p>
             <a:fld id="{F096961E-3012-4105-A7C5-2F48AF367C49}" type="datetimeFigureOut">
               <a:rPr lang="sv-SE" smtClean="0"/>
-              <a:t>2014-12-11</a:t>
+              <a:t>2014-12-15</a:t>
             </a:fld>
             <a:endParaRPr lang="sv-SE"/>
           </a:p>
@@ -3299,7 +3304,7 @@
           <a:p>
             <a:fld id="{F096961E-3012-4105-A7C5-2F48AF367C49}" type="datetimeFigureOut">
               <a:rPr lang="sv-SE" smtClean="0"/>
-              <a:t>2014-12-11</a:t>
+              <a:t>2014-12-15</a:t>
             </a:fld>
             <a:endParaRPr lang="sv-SE"/>
           </a:p>
@@ -3550,7 +3555,7 @@
           <a:p>
             <a:fld id="{F096961E-3012-4105-A7C5-2F48AF367C49}" type="datetimeFigureOut">
               <a:rPr lang="sv-SE" smtClean="0"/>
-              <a:t>2014-12-11</a:t>
+              <a:t>2014-12-15</a:t>
             </a:fld>
             <a:endParaRPr lang="sv-SE"/>
           </a:p>
@@ -3847,7 +3852,7 @@
           <a:p>
             <a:fld id="{F096961E-3012-4105-A7C5-2F48AF367C49}" type="datetimeFigureOut">
               <a:rPr lang="sv-SE" smtClean="0"/>
-              <a:t>2014-12-11</a:t>
+              <a:t>2014-12-15</a:t>
             </a:fld>
             <a:endParaRPr lang="sv-SE"/>
           </a:p>
@@ -4289,7 +4294,7 @@
           <a:p>
             <a:fld id="{F096961E-3012-4105-A7C5-2F48AF367C49}" type="datetimeFigureOut">
               <a:rPr lang="sv-SE" smtClean="0"/>
-              <a:t>2014-12-11</a:t>
+              <a:t>2014-12-15</a:t>
             </a:fld>
             <a:endParaRPr lang="sv-SE"/>
           </a:p>
@@ -4407,7 +4412,7 @@
           <a:p>
             <a:fld id="{F096961E-3012-4105-A7C5-2F48AF367C49}" type="datetimeFigureOut">
               <a:rPr lang="sv-SE" smtClean="0"/>
-              <a:t>2014-12-11</a:t>
+              <a:t>2014-12-15</a:t>
             </a:fld>
             <a:endParaRPr lang="sv-SE"/>
           </a:p>
@@ -4502,7 +4507,7 @@
           <a:p>
             <a:fld id="{F096961E-3012-4105-A7C5-2F48AF367C49}" type="datetimeFigureOut">
               <a:rPr lang="sv-SE" smtClean="0"/>
-              <a:t>2014-12-11</a:t>
+              <a:t>2014-12-15</a:t>
             </a:fld>
             <a:endParaRPr lang="sv-SE"/>
           </a:p>
@@ -4785,7 +4790,7 @@
           <a:p>
             <a:fld id="{F096961E-3012-4105-A7C5-2F48AF367C49}" type="datetimeFigureOut">
               <a:rPr lang="sv-SE" smtClean="0"/>
-              <a:t>2014-12-11</a:t>
+              <a:t>2014-12-15</a:t>
             </a:fld>
             <a:endParaRPr lang="sv-SE"/>
           </a:p>
@@ -5076,7 +5081,7 @@
           <a:p>
             <a:fld id="{F096961E-3012-4105-A7C5-2F48AF367C49}" type="datetimeFigureOut">
               <a:rPr lang="sv-SE" smtClean="0"/>
-              <a:t>2014-12-11</a:t>
+              <a:t>2014-12-15</a:t>
             </a:fld>
             <a:endParaRPr lang="sv-SE"/>
           </a:p>
@@ -5606,7 +5611,7 @@
           <a:p>
             <a:fld id="{F096961E-3012-4105-A7C5-2F48AF367C49}" type="datetimeFigureOut">
               <a:rPr lang="sv-SE" smtClean="0"/>
-              <a:t>2014-12-11</a:t>
+              <a:t>2014-12-15</a:t>
             </a:fld>
             <a:endParaRPr lang="sv-SE"/>
           </a:p>
@@ -6149,12 +6154,25 @@
         </p:nvSpPr>
         <p:spPr/>
         <p:txBody>
-          <a:bodyPr/>
+          <a:bodyPr>
+            <a:normAutofit fontScale="90000"/>
+          </a:bodyPr>
           <a:lstStyle/>
           <a:p>
             <a:r>
               <a:rPr lang="sv-SE" dirty="0" smtClean="0"/>
               <a:t>Mikroprocessor</a:t>
+            </a:r>
+            <a:br>
+              <a:rPr lang="sv-SE" dirty="0" smtClean="0"/>
+            </a:br>
+            <a:r>
+              <a:rPr lang="sv-SE" dirty="0" smtClean="0"/>
+              <a:t>(SXT8C204)</a:t>
+            </a:r>
+            <a:r>
+              <a:rPr lang="sv-SE" dirty="0" smtClean="0"/>
+              <a:t/>
             </a:r>
             <a:br>
               <a:rPr lang="sv-SE" dirty="0" smtClean="0"/>
@@ -6204,13 +6222,22 @@
           <a:p>
             <a:r>
               <a:rPr lang="sv-SE" dirty="0" smtClean="0"/>
-              <a:t>David Luong</a:t>
-            </a:r>
-          </a:p>
-          <a:p>
+              <a:t>David </a:t>
+            </a:r>
             <a:r>
               <a:rPr lang="sv-SE" dirty="0" smtClean="0"/>
-              <a:t>Magnus Eng</a:t>
+              <a:t>Luong</a:t>
+            </a:r>
+            <a:endParaRPr lang="sv-SE" dirty="0" smtClean="0"/>
+          </a:p>
+          <a:p>
+            <a:r>
+              <a:rPr lang="sv-SE" dirty="0" smtClean="0"/>
+              <a:t>Magnus </a:t>
+            </a:r>
+            <a:r>
+              <a:rPr lang="sv-SE" dirty="0" smtClean="0"/>
+              <a:t>Eng</a:t>
             </a:r>
             <a:endParaRPr lang="sv-SE" dirty="0"/>
           </a:p>
@@ -6220,114 +6247,6 @@
     <p:extLst>
       <p:ext uri="{BB962C8B-B14F-4D97-AF65-F5344CB8AC3E}">
         <p14:creationId xmlns:p14="http://schemas.microsoft.com/office/powerpoint/2010/main" val="994574263"/>
-      </p:ext>
-    </p:extLst>
-  </p:cSld>
-  <p:clrMapOvr>
-    <a:masterClrMapping/>
-  </p:clrMapOvr>
-  <p:timing>
-    <p:tnLst>
-      <p:par>
-        <p:cTn id="1" dur="indefinite" restart="never" nodeType="tmRoot"/>
-      </p:par>
-    </p:tnLst>
-  </p:timing>
-</p:sld>
-</file>
-
-<file path=ppt/slides/slide2.xml><?xml version="1.0" encoding="utf-8"?>
-<p:sld xmlns:a="http://schemas.openxmlformats.org/drawingml/2006/main" xmlns:r="http://schemas.openxmlformats.org/officeDocument/2006/relationships" xmlns:p="http://schemas.openxmlformats.org/presentationml/2006/main">
-  <p:cSld>
-    <p:spTree>
-      <p:nvGrpSpPr>
-        <p:cNvPr id="1" name=""/>
-        <p:cNvGrpSpPr/>
-        <p:nvPr/>
-      </p:nvGrpSpPr>
-      <p:grpSpPr>
-        <a:xfrm>
-          <a:off x="0" y="0"/>
-          <a:ext cx="0" cy="0"/>
-          <a:chOff x="0" y="0"/>
-          <a:chExt cx="0" cy="0"/>
-        </a:xfrm>
-      </p:grpSpPr>
-      <p:sp>
-        <p:nvSpPr>
-          <p:cNvPr id="2" name="Title 1"/>
-          <p:cNvSpPr>
-            <a:spLocks noGrp="1"/>
-          </p:cNvSpPr>
-          <p:nvPr>
-            <p:ph type="title"/>
-          </p:nvPr>
-        </p:nvSpPr>
-        <p:spPr/>
-        <p:txBody>
-          <a:bodyPr/>
-          <a:lstStyle/>
-          <a:p>
-            <a:pPr algn="ctr"/>
-            <a:r>
-              <a:rPr lang="sv-SE" dirty="0" smtClean="0"/>
-              <a:t>Register</a:t>
-            </a:r>
-            <a:endParaRPr lang="sv-SE" dirty="0"/>
-          </a:p>
-        </p:txBody>
-      </p:sp>
-      <p:pic>
-        <p:nvPicPr>
-          <p:cNvPr id="6" name="Content Placeholder 5"/>
-          <p:cNvPicPr>
-            <a:picLocks noGrp="1" noChangeAspect="1"/>
-          </p:cNvPicPr>
-          <p:nvPr>
-            <p:ph idx="1"/>
-          </p:nvPr>
-        </p:nvPicPr>
-        <p:blipFill>
-          <a:blip r:embed="rId2">
-            <a:extLst>
-              <a:ext uri="{28A0092B-C50C-407E-A947-70E740481C1C}">
-                <a14:useLocalDpi xmlns:a14="http://schemas.microsoft.com/office/drawing/2010/main" val="0"/>
-              </a:ext>
-            </a:extLst>
-          </a:blip>
-          <a:stretch>
-            <a:fillRect/>
-          </a:stretch>
-        </p:blipFill>
-        <p:spPr>
-          <a:xfrm>
-            <a:off x="4225239" y="2087927"/>
-            <a:ext cx="3181350" cy="4238625"/>
-          </a:xfrm>
-          <a:prstGeom prst="roundRect">
-            <a:avLst>
-              <a:gd name="adj" fmla="val 8594"/>
-            </a:avLst>
-          </a:prstGeom>
-          <a:solidFill>
-            <a:srgbClr val="FFFFFF">
-              <a:shade val="85000"/>
-            </a:srgbClr>
-          </a:solidFill>
-          <a:ln>
-            <a:solidFill>
-              <a:schemeClr val="tx1"/>
-            </a:solidFill>
-          </a:ln>
-          <a:effectLst>
-            <a:reflection blurRad="12700" stA="38000" endPos="28000" dist="5000" dir="5400000" sy="-100000" algn="bl" rotWithShape="0"/>
-          </a:effectLst>
-        </p:spPr>
-      </p:pic>
-    </p:spTree>
-    <p:extLst>
-      <p:ext uri="{BB962C8B-B14F-4D97-AF65-F5344CB8AC3E}">
-        <p14:creationId xmlns:p14="http://schemas.microsoft.com/office/powerpoint/2010/main" val="619954483"/>
       </p:ext>
     </p:extLst>
   </p:cSld>
@@ -6355,7 +6274,7 @@
                             </p:stCondLst>
                             <p:childTnLst>
                               <p:par>
-                                <p:cTn id="5" presetID="14" presetClass="entr" presetSubtype="10" fill="hold" grpId="0" nodeType="clickEffect">
+                                <p:cTn id="5" presetID="37" presetClass="entr" presetSubtype="0" fill="hold" grpId="0" nodeType="clickEffect">
                                   <p:stCondLst>
                                     <p:cond delay="0"/>
                                   </p:stCondLst>
@@ -6378,11 +6297,226 @@
                                         <p:strVal val="visible"/>
                                       </p:to>
                                     </p:set>
-                                    <p:animEffect transition="in" filter="randombar(horizontal)">
+                                    <p:animEffect transition="in" filter="fade">
                                       <p:cBhvr>
-                                        <p:cTn id="7" dur="500"/>
+                                        <p:cTn id="7" dur="1000"/>
                                         <p:tgtEl>
                                           <p:spTgt spid="2"/>
+                                        </p:tgtEl>
+                                      </p:cBhvr>
+                                    </p:animEffect>
+                                    <p:anim calcmode="lin" valueType="num">
+                                      <p:cBhvr>
+                                        <p:cTn id="8" dur="1000" fill="hold"/>
+                                        <p:tgtEl>
+                                          <p:spTgt spid="2"/>
+                                        </p:tgtEl>
+                                        <p:attrNameLst>
+                                          <p:attrName>ppt_x</p:attrName>
+                                        </p:attrNameLst>
+                                      </p:cBhvr>
+                                      <p:tavLst>
+                                        <p:tav tm="0">
+                                          <p:val>
+                                            <p:strVal val="#ppt_x"/>
+                                          </p:val>
+                                        </p:tav>
+                                        <p:tav tm="100000">
+                                          <p:val>
+                                            <p:strVal val="#ppt_x"/>
+                                          </p:val>
+                                        </p:tav>
+                                      </p:tavLst>
+                                    </p:anim>
+                                    <p:anim calcmode="lin" valueType="num">
+                                      <p:cBhvr>
+                                        <p:cTn id="9" dur="900" decel="100000" fill="hold"/>
+                                        <p:tgtEl>
+                                          <p:spTgt spid="2"/>
+                                        </p:tgtEl>
+                                        <p:attrNameLst>
+                                          <p:attrName>ppt_y</p:attrName>
+                                        </p:attrNameLst>
+                                      </p:cBhvr>
+                                      <p:tavLst>
+                                        <p:tav tm="0">
+                                          <p:val>
+                                            <p:strVal val="#ppt_y+1"/>
+                                          </p:val>
+                                        </p:tav>
+                                        <p:tav tm="100000">
+                                          <p:val>
+                                            <p:strVal val="#ppt_y-.03"/>
+                                          </p:val>
+                                        </p:tav>
+                                      </p:tavLst>
+                                    </p:anim>
+                                    <p:anim calcmode="lin" valueType="num">
+                                      <p:cBhvr>
+                                        <p:cTn id="10" dur="100" accel="100000" fill="hold">
+                                          <p:stCondLst>
+                                            <p:cond delay="900"/>
+                                          </p:stCondLst>
+                                        </p:cTn>
+                                        <p:tgtEl>
+                                          <p:spTgt spid="2"/>
+                                        </p:tgtEl>
+                                        <p:attrNameLst>
+                                          <p:attrName>ppt_y</p:attrName>
+                                        </p:attrNameLst>
+                                      </p:cBhvr>
+                                      <p:tavLst>
+                                        <p:tav tm="0">
+                                          <p:val>
+                                            <p:strVal val="#ppt_y-.03"/>
+                                          </p:val>
+                                        </p:tav>
+                                        <p:tav tm="100000">
+                                          <p:val>
+                                            <p:strVal val="#ppt_y"/>
+                                          </p:val>
+                                        </p:tav>
+                                      </p:tavLst>
+                                    </p:anim>
+                                  </p:childTnLst>
+                                </p:cTn>
+                              </p:par>
+                            </p:childTnLst>
+                          </p:cTn>
+                        </p:par>
+                      </p:childTnLst>
+                    </p:cTn>
+                  </p:par>
+                  <p:par>
+                    <p:cTn id="11" fill="hold">
+                      <p:stCondLst>
+                        <p:cond delay="indefinite"/>
+                      </p:stCondLst>
+                      <p:childTnLst>
+                        <p:par>
+                          <p:cTn id="12" fill="hold">
+                            <p:stCondLst>
+                              <p:cond delay="0"/>
+                            </p:stCondLst>
+                            <p:childTnLst>
+                              <p:par>
+                                <p:cTn id="13" presetID="31" presetClass="entr" presetSubtype="0" fill="hold" grpId="0" nodeType="clickEffect">
+                                  <p:stCondLst>
+                                    <p:cond delay="0"/>
+                                  </p:stCondLst>
+                                  <p:childTnLst>
+                                    <p:set>
+                                      <p:cBhvr>
+                                        <p:cTn id="14" dur="1" fill="hold">
+                                          <p:stCondLst>
+                                            <p:cond delay="0"/>
+                                          </p:stCondLst>
+                                        </p:cTn>
+                                        <p:tgtEl>
+                                          <p:spTgt spid="3">
+                                            <p:txEl>
+                                              <p:pRg st="0" end="0"/>
+                                            </p:txEl>
+                                          </p:spTgt>
+                                        </p:tgtEl>
+                                        <p:attrNameLst>
+                                          <p:attrName>style.visibility</p:attrName>
+                                        </p:attrNameLst>
+                                      </p:cBhvr>
+                                      <p:to>
+                                        <p:strVal val="visible"/>
+                                      </p:to>
+                                    </p:set>
+                                    <p:anim calcmode="lin" valueType="num">
+                                      <p:cBhvr>
+                                        <p:cTn id="15" dur="1000" fill="hold"/>
+                                        <p:tgtEl>
+                                          <p:spTgt spid="3">
+                                            <p:txEl>
+                                              <p:pRg st="0" end="0"/>
+                                            </p:txEl>
+                                          </p:spTgt>
+                                        </p:tgtEl>
+                                        <p:attrNameLst>
+                                          <p:attrName>ppt_w</p:attrName>
+                                        </p:attrNameLst>
+                                      </p:cBhvr>
+                                      <p:tavLst>
+                                        <p:tav tm="0">
+                                          <p:val>
+                                            <p:fltVal val="0"/>
+                                          </p:val>
+                                        </p:tav>
+                                        <p:tav tm="100000">
+                                          <p:val>
+                                            <p:strVal val="#ppt_w"/>
+                                          </p:val>
+                                        </p:tav>
+                                      </p:tavLst>
+                                    </p:anim>
+                                    <p:anim calcmode="lin" valueType="num">
+                                      <p:cBhvr>
+                                        <p:cTn id="16" dur="1000" fill="hold"/>
+                                        <p:tgtEl>
+                                          <p:spTgt spid="3">
+                                            <p:txEl>
+                                              <p:pRg st="0" end="0"/>
+                                            </p:txEl>
+                                          </p:spTgt>
+                                        </p:tgtEl>
+                                        <p:attrNameLst>
+                                          <p:attrName>ppt_h</p:attrName>
+                                        </p:attrNameLst>
+                                      </p:cBhvr>
+                                      <p:tavLst>
+                                        <p:tav tm="0">
+                                          <p:val>
+                                            <p:fltVal val="0"/>
+                                          </p:val>
+                                        </p:tav>
+                                        <p:tav tm="100000">
+                                          <p:val>
+                                            <p:strVal val="#ppt_h"/>
+                                          </p:val>
+                                        </p:tav>
+                                      </p:tavLst>
+                                    </p:anim>
+                                    <p:anim calcmode="lin" valueType="num">
+                                      <p:cBhvr>
+                                        <p:cTn id="17" dur="1000" fill="hold"/>
+                                        <p:tgtEl>
+                                          <p:spTgt spid="3">
+                                            <p:txEl>
+                                              <p:pRg st="0" end="0"/>
+                                            </p:txEl>
+                                          </p:spTgt>
+                                        </p:tgtEl>
+                                        <p:attrNameLst>
+                                          <p:attrName>style.rotation</p:attrName>
+                                        </p:attrNameLst>
+                                      </p:cBhvr>
+                                      <p:tavLst>
+                                        <p:tav tm="0">
+                                          <p:val>
+                                            <p:fltVal val="90"/>
+                                          </p:val>
+                                        </p:tav>
+                                        <p:tav tm="100000">
+                                          <p:val>
+                                            <p:fltVal val="0"/>
+                                          </p:val>
+                                        </p:tav>
+                                      </p:tavLst>
+                                    </p:anim>
+                                    <p:animEffect transition="in" filter="fade">
+                                      <p:cBhvr>
+                                        <p:cTn id="18" dur="1000"/>
+                                        <p:tgtEl>
+                                          <p:spTgt spid="3">
+                                            <p:txEl>
+                                              <p:pRg st="0" end="0"/>
+                                            </p:txEl>
+                                          </p:spTgt>
                                         </p:tgtEl>
                                       </p:cBhvr>
                                     </p:animEffect>
@@ -6396,32 +6530,36 @@
                     </p:cTn>
                   </p:par>
                   <p:par>
-                    <p:cTn id="8" fill="hold">
+                    <p:cTn id="19" fill="hold">
                       <p:stCondLst>
                         <p:cond delay="indefinite"/>
                       </p:stCondLst>
                       <p:childTnLst>
                         <p:par>
-                          <p:cTn id="9" fill="hold">
+                          <p:cTn id="20" fill="hold">
                             <p:stCondLst>
                               <p:cond delay="0"/>
                             </p:stCondLst>
                             <p:childTnLst>
                               <p:par>
-                                <p:cTn id="10" presetID="16" presetClass="entr" presetSubtype="21" fill="hold" nodeType="clickEffect">
+                                <p:cTn id="21" presetID="31" presetClass="entr" presetSubtype="0" fill="hold" grpId="0" nodeType="clickEffect">
                                   <p:stCondLst>
                                     <p:cond delay="0"/>
                                   </p:stCondLst>
                                   <p:childTnLst>
                                     <p:set>
                                       <p:cBhvr>
-                                        <p:cTn id="11" dur="1" fill="hold">
+                                        <p:cTn id="22" dur="1" fill="hold">
                                           <p:stCondLst>
                                             <p:cond delay="0"/>
                                           </p:stCondLst>
                                         </p:cTn>
                                         <p:tgtEl>
-                                          <p:spTgt spid="6"/>
+                                          <p:spTgt spid="3">
+                                            <p:txEl>
+                                              <p:pRg st="1" end="1"/>
+                                            </p:txEl>
+                                          </p:spTgt>
                                         </p:tgtEl>
                                         <p:attrNameLst>
                                           <p:attrName>style.visibility</p:attrName>
@@ -6431,11 +6569,380 @@
                                         <p:strVal val="visible"/>
                                       </p:to>
                                     </p:set>
-                                    <p:animEffect transition="in" filter="barn(inVertical)">
+                                    <p:anim calcmode="lin" valueType="num">
                                       <p:cBhvr>
-                                        <p:cTn id="12" dur="500"/>
+                                        <p:cTn id="23" dur="1000" fill="hold"/>
                                         <p:tgtEl>
-                                          <p:spTgt spid="6"/>
+                                          <p:spTgt spid="3">
+                                            <p:txEl>
+                                              <p:pRg st="1" end="1"/>
+                                            </p:txEl>
+                                          </p:spTgt>
+                                        </p:tgtEl>
+                                        <p:attrNameLst>
+                                          <p:attrName>ppt_w</p:attrName>
+                                        </p:attrNameLst>
+                                      </p:cBhvr>
+                                      <p:tavLst>
+                                        <p:tav tm="0">
+                                          <p:val>
+                                            <p:fltVal val="0"/>
+                                          </p:val>
+                                        </p:tav>
+                                        <p:tav tm="100000">
+                                          <p:val>
+                                            <p:strVal val="#ppt_w"/>
+                                          </p:val>
+                                        </p:tav>
+                                      </p:tavLst>
+                                    </p:anim>
+                                    <p:anim calcmode="lin" valueType="num">
+                                      <p:cBhvr>
+                                        <p:cTn id="24" dur="1000" fill="hold"/>
+                                        <p:tgtEl>
+                                          <p:spTgt spid="3">
+                                            <p:txEl>
+                                              <p:pRg st="1" end="1"/>
+                                            </p:txEl>
+                                          </p:spTgt>
+                                        </p:tgtEl>
+                                        <p:attrNameLst>
+                                          <p:attrName>ppt_h</p:attrName>
+                                        </p:attrNameLst>
+                                      </p:cBhvr>
+                                      <p:tavLst>
+                                        <p:tav tm="0">
+                                          <p:val>
+                                            <p:fltVal val="0"/>
+                                          </p:val>
+                                        </p:tav>
+                                        <p:tav tm="100000">
+                                          <p:val>
+                                            <p:strVal val="#ppt_h"/>
+                                          </p:val>
+                                        </p:tav>
+                                      </p:tavLst>
+                                    </p:anim>
+                                    <p:anim calcmode="lin" valueType="num">
+                                      <p:cBhvr>
+                                        <p:cTn id="25" dur="1000" fill="hold"/>
+                                        <p:tgtEl>
+                                          <p:spTgt spid="3">
+                                            <p:txEl>
+                                              <p:pRg st="1" end="1"/>
+                                            </p:txEl>
+                                          </p:spTgt>
+                                        </p:tgtEl>
+                                        <p:attrNameLst>
+                                          <p:attrName>style.rotation</p:attrName>
+                                        </p:attrNameLst>
+                                      </p:cBhvr>
+                                      <p:tavLst>
+                                        <p:tav tm="0">
+                                          <p:val>
+                                            <p:fltVal val="90"/>
+                                          </p:val>
+                                        </p:tav>
+                                        <p:tav tm="100000">
+                                          <p:val>
+                                            <p:fltVal val="0"/>
+                                          </p:val>
+                                        </p:tav>
+                                      </p:tavLst>
+                                    </p:anim>
+                                    <p:animEffect transition="in" filter="fade">
+                                      <p:cBhvr>
+                                        <p:cTn id="26" dur="1000"/>
+                                        <p:tgtEl>
+                                          <p:spTgt spid="3">
+                                            <p:txEl>
+                                              <p:pRg st="1" end="1"/>
+                                            </p:txEl>
+                                          </p:spTgt>
+                                        </p:tgtEl>
+                                      </p:cBhvr>
+                                    </p:animEffect>
+                                  </p:childTnLst>
+                                </p:cTn>
+                              </p:par>
+                            </p:childTnLst>
+                          </p:cTn>
+                        </p:par>
+                      </p:childTnLst>
+                    </p:cTn>
+                  </p:par>
+                  <p:par>
+                    <p:cTn id="27" fill="hold">
+                      <p:stCondLst>
+                        <p:cond delay="indefinite"/>
+                      </p:stCondLst>
+                      <p:childTnLst>
+                        <p:par>
+                          <p:cTn id="28" fill="hold">
+                            <p:stCondLst>
+                              <p:cond delay="0"/>
+                            </p:stCondLst>
+                            <p:childTnLst>
+                              <p:par>
+                                <p:cTn id="29" presetID="31" presetClass="entr" presetSubtype="0" fill="hold" grpId="0" nodeType="clickEffect">
+                                  <p:stCondLst>
+                                    <p:cond delay="0"/>
+                                  </p:stCondLst>
+                                  <p:childTnLst>
+                                    <p:set>
+                                      <p:cBhvr>
+                                        <p:cTn id="30" dur="1" fill="hold">
+                                          <p:stCondLst>
+                                            <p:cond delay="0"/>
+                                          </p:stCondLst>
+                                        </p:cTn>
+                                        <p:tgtEl>
+                                          <p:spTgt spid="3">
+                                            <p:txEl>
+                                              <p:pRg st="2" end="2"/>
+                                            </p:txEl>
+                                          </p:spTgt>
+                                        </p:tgtEl>
+                                        <p:attrNameLst>
+                                          <p:attrName>style.visibility</p:attrName>
+                                        </p:attrNameLst>
+                                      </p:cBhvr>
+                                      <p:to>
+                                        <p:strVal val="visible"/>
+                                      </p:to>
+                                    </p:set>
+                                    <p:anim calcmode="lin" valueType="num">
+                                      <p:cBhvr>
+                                        <p:cTn id="31" dur="1000" fill="hold"/>
+                                        <p:tgtEl>
+                                          <p:spTgt spid="3">
+                                            <p:txEl>
+                                              <p:pRg st="2" end="2"/>
+                                            </p:txEl>
+                                          </p:spTgt>
+                                        </p:tgtEl>
+                                        <p:attrNameLst>
+                                          <p:attrName>ppt_w</p:attrName>
+                                        </p:attrNameLst>
+                                      </p:cBhvr>
+                                      <p:tavLst>
+                                        <p:tav tm="0">
+                                          <p:val>
+                                            <p:fltVal val="0"/>
+                                          </p:val>
+                                        </p:tav>
+                                        <p:tav tm="100000">
+                                          <p:val>
+                                            <p:strVal val="#ppt_w"/>
+                                          </p:val>
+                                        </p:tav>
+                                      </p:tavLst>
+                                    </p:anim>
+                                    <p:anim calcmode="lin" valueType="num">
+                                      <p:cBhvr>
+                                        <p:cTn id="32" dur="1000" fill="hold"/>
+                                        <p:tgtEl>
+                                          <p:spTgt spid="3">
+                                            <p:txEl>
+                                              <p:pRg st="2" end="2"/>
+                                            </p:txEl>
+                                          </p:spTgt>
+                                        </p:tgtEl>
+                                        <p:attrNameLst>
+                                          <p:attrName>ppt_h</p:attrName>
+                                        </p:attrNameLst>
+                                      </p:cBhvr>
+                                      <p:tavLst>
+                                        <p:tav tm="0">
+                                          <p:val>
+                                            <p:fltVal val="0"/>
+                                          </p:val>
+                                        </p:tav>
+                                        <p:tav tm="100000">
+                                          <p:val>
+                                            <p:strVal val="#ppt_h"/>
+                                          </p:val>
+                                        </p:tav>
+                                      </p:tavLst>
+                                    </p:anim>
+                                    <p:anim calcmode="lin" valueType="num">
+                                      <p:cBhvr>
+                                        <p:cTn id="33" dur="1000" fill="hold"/>
+                                        <p:tgtEl>
+                                          <p:spTgt spid="3">
+                                            <p:txEl>
+                                              <p:pRg st="2" end="2"/>
+                                            </p:txEl>
+                                          </p:spTgt>
+                                        </p:tgtEl>
+                                        <p:attrNameLst>
+                                          <p:attrName>style.rotation</p:attrName>
+                                        </p:attrNameLst>
+                                      </p:cBhvr>
+                                      <p:tavLst>
+                                        <p:tav tm="0">
+                                          <p:val>
+                                            <p:fltVal val="90"/>
+                                          </p:val>
+                                        </p:tav>
+                                        <p:tav tm="100000">
+                                          <p:val>
+                                            <p:fltVal val="0"/>
+                                          </p:val>
+                                        </p:tav>
+                                      </p:tavLst>
+                                    </p:anim>
+                                    <p:animEffect transition="in" filter="fade">
+                                      <p:cBhvr>
+                                        <p:cTn id="34" dur="1000"/>
+                                        <p:tgtEl>
+                                          <p:spTgt spid="3">
+                                            <p:txEl>
+                                              <p:pRg st="2" end="2"/>
+                                            </p:txEl>
+                                          </p:spTgt>
+                                        </p:tgtEl>
+                                      </p:cBhvr>
+                                    </p:animEffect>
+                                  </p:childTnLst>
+                                </p:cTn>
+                              </p:par>
+                            </p:childTnLst>
+                          </p:cTn>
+                        </p:par>
+                      </p:childTnLst>
+                    </p:cTn>
+                  </p:par>
+                  <p:par>
+                    <p:cTn id="35" fill="hold">
+                      <p:stCondLst>
+                        <p:cond delay="indefinite"/>
+                      </p:stCondLst>
+                      <p:childTnLst>
+                        <p:par>
+                          <p:cTn id="36" fill="hold">
+                            <p:stCondLst>
+                              <p:cond delay="0"/>
+                            </p:stCondLst>
+                            <p:childTnLst>
+                              <p:par>
+                                <p:cTn id="37" presetID="31" presetClass="entr" presetSubtype="0" fill="hold" grpId="0" nodeType="clickEffect">
+                                  <p:stCondLst>
+                                    <p:cond delay="0"/>
+                                  </p:stCondLst>
+                                  <p:childTnLst>
+                                    <p:set>
+                                      <p:cBhvr>
+                                        <p:cTn id="38" dur="1" fill="hold">
+                                          <p:stCondLst>
+                                            <p:cond delay="0"/>
+                                          </p:stCondLst>
+                                        </p:cTn>
+                                        <p:tgtEl>
+                                          <p:spTgt spid="3">
+                                            <p:txEl>
+                                              <p:pRg st="3" end="3"/>
+                                            </p:txEl>
+                                          </p:spTgt>
+                                        </p:tgtEl>
+                                        <p:attrNameLst>
+                                          <p:attrName>style.visibility</p:attrName>
+                                        </p:attrNameLst>
+                                      </p:cBhvr>
+                                      <p:to>
+                                        <p:strVal val="visible"/>
+                                      </p:to>
+                                    </p:set>
+                                    <p:anim calcmode="lin" valueType="num">
+                                      <p:cBhvr>
+                                        <p:cTn id="39" dur="1000" fill="hold"/>
+                                        <p:tgtEl>
+                                          <p:spTgt spid="3">
+                                            <p:txEl>
+                                              <p:pRg st="3" end="3"/>
+                                            </p:txEl>
+                                          </p:spTgt>
+                                        </p:tgtEl>
+                                        <p:attrNameLst>
+                                          <p:attrName>ppt_w</p:attrName>
+                                        </p:attrNameLst>
+                                      </p:cBhvr>
+                                      <p:tavLst>
+                                        <p:tav tm="0">
+                                          <p:val>
+                                            <p:fltVal val="0"/>
+                                          </p:val>
+                                        </p:tav>
+                                        <p:tav tm="100000">
+                                          <p:val>
+                                            <p:strVal val="#ppt_w"/>
+                                          </p:val>
+                                        </p:tav>
+                                      </p:tavLst>
+                                    </p:anim>
+                                    <p:anim calcmode="lin" valueType="num">
+                                      <p:cBhvr>
+                                        <p:cTn id="40" dur="1000" fill="hold"/>
+                                        <p:tgtEl>
+                                          <p:spTgt spid="3">
+                                            <p:txEl>
+                                              <p:pRg st="3" end="3"/>
+                                            </p:txEl>
+                                          </p:spTgt>
+                                        </p:tgtEl>
+                                        <p:attrNameLst>
+                                          <p:attrName>ppt_h</p:attrName>
+                                        </p:attrNameLst>
+                                      </p:cBhvr>
+                                      <p:tavLst>
+                                        <p:tav tm="0">
+                                          <p:val>
+                                            <p:fltVal val="0"/>
+                                          </p:val>
+                                        </p:tav>
+                                        <p:tav tm="100000">
+                                          <p:val>
+                                            <p:strVal val="#ppt_h"/>
+                                          </p:val>
+                                        </p:tav>
+                                      </p:tavLst>
+                                    </p:anim>
+                                    <p:anim calcmode="lin" valueType="num">
+                                      <p:cBhvr>
+                                        <p:cTn id="41" dur="1000" fill="hold"/>
+                                        <p:tgtEl>
+                                          <p:spTgt spid="3">
+                                            <p:txEl>
+                                              <p:pRg st="3" end="3"/>
+                                            </p:txEl>
+                                          </p:spTgt>
+                                        </p:tgtEl>
+                                        <p:attrNameLst>
+                                          <p:attrName>style.rotation</p:attrName>
+                                        </p:attrNameLst>
+                                      </p:cBhvr>
+                                      <p:tavLst>
+                                        <p:tav tm="0">
+                                          <p:val>
+                                            <p:fltVal val="90"/>
+                                          </p:val>
+                                        </p:tav>
+                                        <p:tav tm="100000">
+                                          <p:val>
+                                            <p:fltVal val="0"/>
+                                          </p:val>
+                                        </p:tav>
+                                      </p:tavLst>
+                                    </p:anim>
+                                    <p:animEffect transition="in" filter="fade">
+                                      <p:cBhvr>
+                                        <p:cTn id="42" dur="1000"/>
+                                        <p:tgtEl>
+                                          <p:spTgt spid="3">
+                                            <p:txEl>
+                                              <p:pRg st="3" end="3"/>
+                                            </p:txEl>
+                                          </p:spTgt>
                                         </p:tgtEl>
                                       </p:cBhvr>
                                     </p:animEffect>
@@ -6471,12 +6978,13 @@
     </p:tnLst>
     <p:bldLst>
       <p:bldP spid="2" grpId="0"/>
+      <p:bldP spid="3" grpId="0" build="p"/>
     </p:bldLst>
   </p:timing>
 </p:sld>
 </file>
 
-<file path=ppt/slides/slide3.xml><?xml version="1.0" encoding="utf-8"?>
+<file path=ppt/slides/slide2.xml><?xml version="1.0" encoding="utf-8"?>
 <p:sld xmlns:a="http://schemas.openxmlformats.org/drawingml/2006/main" xmlns:r="http://schemas.openxmlformats.org/officeDocument/2006/relationships" xmlns:p="http://schemas.openxmlformats.org/presentationml/2006/main">
   <p:cSld>
     <p:spTree>
@@ -6544,6 +7052,39 @@
             <a:off x="4055269" y="3133725"/>
             <a:ext cx="4876800" cy="2190750"/>
           </a:xfrm>
+          <a:prstGeom prst="rect">
+            <a:avLst/>
+          </a:prstGeom>
+          <a:solidFill>
+            <a:srgbClr val="FFFFFF">
+              <a:shade val="85000"/>
+            </a:srgbClr>
+          </a:solidFill>
+          <a:ln w="88900" cap="sq">
+            <a:solidFill>
+              <a:schemeClr val="bg1"/>
+            </a:solidFill>
+            <a:miter lim="800000"/>
+          </a:ln>
+          <a:effectLst>
+            <a:outerShdw blurRad="55000" dist="18000" dir="5400000" algn="tl" rotWithShape="0">
+              <a:srgbClr val="000000">
+                <a:alpha val="40000"/>
+              </a:srgbClr>
+            </a:outerShdw>
+          </a:effectLst>
+          <a:scene3d>
+            <a:camera prst="orthographicFront"/>
+            <a:lightRig rig="twoPt" dir="t">
+              <a:rot lat="0" lon="0" rev="7200000"/>
+            </a:lightRig>
+          </a:scene3d>
+          <a:sp3d>
+            <a:bevelT w="25400" h="19050"/>
+            <a:contourClr>
+              <a:srgbClr val="FFFFFF"/>
+            </a:contourClr>
+          </a:sp3d>
         </p:spPr>
       </p:pic>
     </p:spTree>
@@ -6698,7 +7239,7 @@
 </p:sld>
 </file>
 
-<file path=ppt/slides/slide4.xml><?xml version="1.0" encoding="utf-8"?>
+<file path=ppt/slides/slide3.xml><?xml version="1.0" encoding="utf-8"?>
 <p:sld xmlns:a="http://schemas.openxmlformats.org/drawingml/2006/main" xmlns:r="http://schemas.openxmlformats.org/officeDocument/2006/relationships" xmlns:p="http://schemas.openxmlformats.org/presentationml/2006/main">
   <p:cSld>
     <p:spTree>
@@ -6732,8 +7273,8 @@
           <a:p>
             <a:pPr algn="ctr"/>
             <a:r>
-              <a:rPr lang="sv-SE" dirty="0" err="1" smtClean="0"/>
-              <a:t>Decoder</a:t>
+              <a:rPr lang="sv-SE" dirty="0" smtClean="0"/>
+              <a:t>Avkodaren</a:t>
             </a:r>
             <a:endParaRPr lang="sv-SE" dirty="0"/>
           </a:p>
@@ -6959,6 +7500,266 @@
                                         </p:tav>
                                       </p:tavLst>
                                     </p:anim>
+                                  </p:childTnLst>
+                                </p:cTn>
+                              </p:par>
+                            </p:childTnLst>
+                          </p:cTn>
+                        </p:par>
+                      </p:childTnLst>
+                    </p:cTn>
+                  </p:par>
+                </p:childTnLst>
+              </p:cTn>
+              <p:prevCondLst>
+                <p:cond evt="onPrev" delay="0">
+                  <p:tgtEl>
+                    <p:sldTgt/>
+                  </p:tgtEl>
+                </p:cond>
+              </p:prevCondLst>
+              <p:nextCondLst>
+                <p:cond evt="onNext" delay="0">
+                  <p:tgtEl>
+                    <p:sldTgt/>
+                  </p:tgtEl>
+                </p:cond>
+              </p:nextCondLst>
+            </p:seq>
+          </p:childTnLst>
+        </p:cTn>
+      </p:par>
+    </p:tnLst>
+    <p:bldLst>
+      <p:bldP spid="2" grpId="0"/>
+    </p:bldLst>
+  </p:timing>
+</p:sld>
+</file>
+
+<file path=ppt/slides/slide4.xml><?xml version="1.0" encoding="utf-8"?>
+<p:sld xmlns:a="http://schemas.openxmlformats.org/drawingml/2006/main" xmlns:r="http://schemas.openxmlformats.org/officeDocument/2006/relationships" xmlns:p="http://schemas.openxmlformats.org/presentationml/2006/main">
+  <p:cSld>
+    <p:spTree>
+      <p:nvGrpSpPr>
+        <p:cNvPr id="1" name=""/>
+        <p:cNvGrpSpPr/>
+        <p:nvPr/>
+      </p:nvGrpSpPr>
+      <p:grpSpPr>
+        <a:xfrm>
+          <a:off x="0" y="0"/>
+          <a:ext cx="0" cy="0"/>
+          <a:chOff x="0" y="0"/>
+          <a:chExt cx="0" cy="0"/>
+        </a:xfrm>
+      </p:grpSpPr>
+      <p:sp>
+        <p:nvSpPr>
+          <p:cNvPr id="2" name="Title 1"/>
+          <p:cNvSpPr>
+            <a:spLocks noGrp="1"/>
+          </p:cNvSpPr>
+          <p:nvPr>
+            <p:ph type="title"/>
+          </p:nvPr>
+        </p:nvSpPr>
+        <p:spPr>
+          <a:xfrm>
+            <a:off x="1484312" y="685800"/>
+            <a:ext cx="8900014" cy="1752599"/>
+          </a:xfrm>
+        </p:spPr>
+        <p:txBody>
+          <a:bodyPr/>
+          <a:lstStyle/>
+          <a:p>
+            <a:pPr algn="ctr"/>
+            <a:r>
+              <a:rPr lang="sv-SE" dirty="0" smtClean="0"/>
+              <a:t>Register</a:t>
+            </a:r>
+            <a:endParaRPr lang="sv-SE" dirty="0"/>
+          </a:p>
+        </p:txBody>
+      </p:sp>
+      <p:pic>
+        <p:nvPicPr>
+          <p:cNvPr id="6" name="Content Placeholder 5"/>
+          <p:cNvPicPr>
+            <a:picLocks noGrp="1" noChangeAspect="1"/>
+          </p:cNvPicPr>
+          <p:nvPr>
+            <p:ph idx="1"/>
+          </p:nvPr>
+        </p:nvPicPr>
+        <p:blipFill>
+          <a:blip r:embed="rId2">
+            <a:extLst>
+              <a:ext uri="{28A0092B-C50C-407E-A947-70E740481C1C}">
+                <a14:useLocalDpi xmlns:a14="http://schemas.microsoft.com/office/drawing/2010/main" val="0"/>
+              </a:ext>
+            </a:extLst>
+          </a:blip>
+          <a:stretch>
+            <a:fillRect/>
+          </a:stretch>
+        </p:blipFill>
+        <p:spPr>
+          <a:xfrm>
+            <a:off x="4225239" y="2087927"/>
+            <a:ext cx="3181350" cy="4238625"/>
+          </a:xfrm>
+          <a:prstGeom prst="rect">
+            <a:avLst/>
+          </a:prstGeom>
+          <a:solidFill>
+            <a:srgbClr val="FFFFFF">
+              <a:shade val="85000"/>
+            </a:srgbClr>
+          </a:solidFill>
+          <a:ln w="88900" cap="sq">
+            <a:solidFill>
+              <a:schemeClr val="bg1"/>
+            </a:solidFill>
+            <a:miter lim="800000"/>
+          </a:ln>
+          <a:effectLst>
+            <a:outerShdw blurRad="55000" dist="18000" dir="5400000" algn="tl" rotWithShape="0">
+              <a:srgbClr val="000000">
+                <a:alpha val="40000"/>
+              </a:srgbClr>
+            </a:outerShdw>
+          </a:effectLst>
+          <a:scene3d>
+            <a:camera prst="orthographicFront"/>
+            <a:lightRig rig="twoPt" dir="t">
+              <a:rot lat="0" lon="0" rev="7200000"/>
+            </a:lightRig>
+          </a:scene3d>
+          <a:sp3d>
+            <a:bevelT w="25400" h="19050"/>
+            <a:contourClr>
+              <a:srgbClr val="FFFFFF"/>
+            </a:contourClr>
+          </a:sp3d>
+        </p:spPr>
+      </p:pic>
+    </p:spTree>
+    <p:extLst>
+      <p:ext uri="{BB962C8B-B14F-4D97-AF65-F5344CB8AC3E}">
+        <p14:creationId xmlns:p14="http://schemas.microsoft.com/office/powerpoint/2010/main" val="619954483"/>
+      </p:ext>
+    </p:extLst>
+  </p:cSld>
+  <p:clrMapOvr>
+    <a:masterClrMapping/>
+  </p:clrMapOvr>
+  <p:timing>
+    <p:tnLst>
+      <p:par>
+        <p:cTn id="1" dur="indefinite" restart="never" nodeType="tmRoot">
+          <p:childTnLst>
+            <p:seq concurrent="1" nextAc="seek">
+              <p:cTn id="2" dur="indefinite" nodeType="mainSeq">
+                <p:childTnLst>
+                  <p:par>
+                    <p:cTn id="3" fill="hold">
+                      <p:stCondLst>
+                        <p:cond delay="indefinite"/>
+                      </p:stCondLst>
+                      <p:childTnLst>
+                        <p:par>
+                          <p:cTn id="4" fill="hold">
+                            <p:stCondLst>
+                              <p:cond delay="0"/>
+                            </p:stCondLst>
+                            <p:childTnLst>
+                              <p:par>
+                                <p:cTn id="5" presetID="14" presetClass="entr" presetSubtype="10" fill="hold" grpId="0" nodeType="clickEffect">
+                                  <p:stCondLst>
+                                    <p:cond delay="0"/>
+                                  </p:stCondLst>
+                                  <p:childTnLst>
+                                    <p:set>
+                                      <p:cBhvr>
+                                        <p:cTn id="6" dur="1" fill="hold">
+                                          <p:stCondLst>
+                                            <p:cond delay="0"/>
+                                          </p:stCondLst>
+                                        </p:cTn>
+                                        <p:tgtEl>
+                                          <p:spTgt spid="2"/>
+                                        </p:tgtEl>
+                                        <p:attrNameLst>
+                                          <p:attrName>style.visibility</p:attrName>
+                                        </p:attrNameLst>
+                                      </p:cBhvr>
+                                      <p:to>
+                                        <p:strVal val="visible"/>
+                                      </p:to>
+                                    </p:set>
+                                    <p:animEffect transition="in" filter="randombar(horizontal)">
+                                      <p:cBhvr>
+                                        <p:cTn id="7" dur="500"/>
+                                        <p:tgtEl>
+                                          <p:spTgt spid="2"/>
+                                        </p:tgtEl>
+                                      </p:cBhvr>
+                                    </p:animEffect>
+                                  </p:childTnLst>
+                                </p:cTn>
+                              </p:par>
+                            </p:childTnLst>
+                          </p:cTn>
+                        </p:par>
+                      </p:childTnLst>
+                    </p:cTn>
+                  </p:par>
+                  <p:par>
+                    <p:cTn id="8" fill="hold">
+                      <p:stCondLst>
+                        <p:cond delay="indefinite"/>
+                      </p:stCondLst>
+                      <p:childTnLst>
+                        <p:par>
+                          <p:cTn id="9" fill="hold">
+                            <p:stCondLst>
+                              <p:cond delay="0"/>
+                            </p:stCondLst>
+                            <p:childTnLst>
+                              <p:par>
+                                <p:cTn id="10" presetID="16" presetClass="entr" presetSubtype="21" fill="hold" nodeType="clickEffect">
+                                  <p:stCondLst>
+                                    <p:cond delay="0"/>
+                                  </p:stCondLst>
+                                  <p:childTnLst>
+                                    <p:set>
+                                      <p:cBhvr>
+                                        <p:cTn id="11" dur="1" fill="hold">
+                                          <p:stCondLst>
+                                            <p:cond delay="0"/>
+                                          </p:stCondLst>
+                                        </p:cTn>
+                                        <p:tgtEl>
+                                          <p:spTgt spid="6"/>
+                                        </p:tgtEl>
+                                        <p:attrNameLst>
+                                          <p:attrName>style.visibility</p:attrName>
+                                        </p:attrNameLst>
+                                      </p:cBhvr>
+                                      <p:to>
+                                        <p:strVal val="visible"/>
+                                      </p:to>
+                                    </p:set>
+                                    <p:animEffect transition="in" filter="barn(inVertical)">
+                                      <p:cBhvr>
+                                        <p:cTn id="12" dur="500"/>
+                                        <p:tgtEl>
+                                          <p:spTgt spid="6"/>
+                                        </p:tgtEl>
+                                      </p:cBhvr>
+                                    </p:animEffect>
                                   </p:childTnLst>
                                 </p:cTn>
                               </p:par>
